--- a/Project1-ExploreVis/Miaozhi_Yu/Analysis Of Forest Fire Predictors In Montesinho Natural.pptx
+++ b/Project1-ExploreVis/Miaozhi_Yu/Analysis Of Forest Fire Predictors In Montesinho Natural.pptx
@@ -6,20 +6,21 @@
   </p:sldMasterIdLst>
   <p:sldIdLst>
     <p:sldId id="261" r:id="rId2"/>
-    <p:sldId id="262" r:id="rId3"/>
-    <p:sldId id="263" r:id="rId4"/>
-    <p:sldId id="264" r:id="rId5"/>
-    <p:sldId id="265" r:id="rId6"/>
-    <p:sldId id="266" r:id="rId7"/>
-    <p:sldId id="267" r:id="rId8"/>
-    <p:sldId id="268" r:id="rId9"/>
-    <p:sldId id="269" r:id="rId10"/>
-    <p:sldId id="270" r:id="rId11"/>
-    <p:sldId id="271" r:id="rId12"/>
-    <p:sldId id="272" r:id="rId13"/>
-    <p:sldId id="273" r:id="rId14"/>
-    <p:sldId id="274" r:id="rId15"/>
-    <p:sldId id="275" r:id="rId16"/>
+    <p:sldId id="276" r:id="rId3"/>
+    <p:sldId id="262" r:id="rId4"/>
+    <p:sldId id="263" r:id="rId5"/>
+    <p:sldId id="264" r:id="rId6"/>
+    <p:sldId id="265" r:id="rId7"/>
+    <p:sldId id="266" r:id="rId8"/>
+    <p:sldId id="267" r:id="rId9"/>
+    <p:sldId id="268" r:id="rId10"/>
+    <p:sldId id="269" r:id="rId11"/>
+    <p:sldId id="270" r:id="rId12"/>
+    <p:sldId id="271" r:id="rId13"/>
+    <p:sldId id="272" r:id="rId14"/>
+    <p:sldId id="273" r:id="rId15"/>
+    <p:sldId id="274" r:id="rId16"/>
+    <p:sldId id="275" r:id="rId17"/>
   </p:sldIdLst>
   <p:sldSz cx="12192000" cy="6858000"/>
   <p:notesSz cx="6858000" cy="9144000"/>
@@ -4251,7 +4252,7 @@
           <a:p>
             <a:fld id="{8CE6D6B0-DA1D-4786-BDDE-CF7A7F5122E8}" type="datetimeFigureOut">
               <a:rPr lang="en-US" smtClean="0"/>
-              <a:t>7/18/2016</a:t>
+              <a:t>7/20/2016</a:t>
             </a:fld>
             <a:endParaRPr lang="en-US"/>
           </a:p>
@@ -12293,7 +12294,7 @@
           <a:p>
             <a:fld id="{8CE6D6B0-DA1D-4786-BDDE-CF7A7F5122E8}" type="datetimeFigureOut">
               <a:rPr lang="en-US" smtClean="0"/>
-              <a:t>7/18/2016</a:t>
+              <a:t>7/20/2016</a:t>
             </a:fld>
             <a:endParaRPr lang="en-US"/>
           </a:p>
@@ -12473,7 +12474,7 @@
           <a:p>
             <a:fld id="{8CE6D6B0-DA1D-4786-BDDE-CF7A7F5122E8}" type="datetimeFigureOut">
               <a:rPr lang="en-US" smtClean="0"/>
-              <a:t>7/18/2016</a:t>
+              <a:t>7/20/2016</a:t>
             </a:fld>
             <a:endParaRPr lang="en-US"/>
           </a:p>
@@ -16484,7 +16485,7 @@
           <a:p>
             <a:fld id="{8CE6D6B0-DA1D-4786-BDDE-CF7A7F5122E8}" type="datetimeFigureOut">
               <a:rPr lang="en-US" smtClean="0"/>
-              <a:t>7/18/2016</a:t>
+              <a:t>7/20/2016</a:t>
             </a:fld>
             <a:endParaRPr lang="en-US"/>
           </a:p>
@@ -16725,7 +16726,7 @@
           <a:p>
             <a:fld id="{8CE6D6B0-DA1D-4786-BDDE-CF7A7F5122E8}" type="datetimeFigureOut">
               <a:rPr lang="en-US" smtClean="0"/>
-              <a:t>7/18/2016</a:t>
+              <a:t>7/20/2016</a:t>
             </a:fld>
             <a:endParaRPr lang="en-US"/>
           </a:p>
@@ -20902,7 +20903,7 @@
           <a:p>
             <a:fld id="{8CE6D6B0-DA1D-4786-BDDE-CF7A7F5122E8}" type="datetimeFigureOut">
               <a:rPr lang="en-US" smtClean="0"/>
-              <a:t>7/18/2016</a:t>
+              <a:t>7/20/2016</a:t>
             </a:fld>
             <a:endParaRPr lang="en-US"/>
           </a:p>
@@ -21180,7 +21181,7 @@
           <a:p>
             <a:fld id="{8CE6D6B0-DA1D-4786-BDDE-CF7A7F5122E8}" type="datetimeFigureOut">
               <a:rPr lang="en-US" smtClean="0"/>
-              <a:t>7/18/2016</a:t>
+              <a:t>7/20/2016</a:t>
             </a:fld>
             <a:endParaRPr lang="en-US"/>
           </a:p>
@@ -21610,7 +21611,7 @@
           <a:p>
             <a:fld id="{8CE6D6B0-DA1D-4786-BDDE-CF7A7F5122E8}" type="datetimeFigureOut">
               <a:rPr lang="en-US" smtClean="0"/>
-              <a:t>7/18/2016</a:t>
+              <a:t>7/20/2016</a:t>
             </a:fld>
             <a:endParaRPr lang="en-US"/>
           </a:p>
@@ -21738,7 +21739,7 @@
           <a:p>
             <a:fld id="{8CE6D6B0-DA1D-4786-BDDE-CF7A7F5122E8}" type="datetimeFigureOut">
               <a:rPr lang="en-US" smtClean="0"/>
-              <a:t>7/18/2016</a:t>
+              <a:t>7/20/2016</a:t>
             </a:fld>
             <a:endParaRPr lang="en-US"/>
           </a:p>
@@ -21889,7 +21890,7 @@
           <a:p>
             <a:fld id="{8CE6D6B0-DA1D-4786-BDDE-CF7A7F5122E8}" type="datetimeFigureOut">
               <a:rPr lang="en-US" smtClean="0"/>
-              <a:t>7/18/2016</a:t>
+              <a:t>7/20/2016</a:t>
             </a:fld>
             <a:endParaRPr lang="en-US"/>
           </a:p>
@@ -22307,7 +22308,7 @@
           <a:p>
             <a:fld id="{8CE6D6B0-DA1D-4786-BDDE-CF7A7F5122E8}" type="datetimeFigureOut">
               <a:rPr lang="en-US" smtClean="0"/>
-              <a:t>7/18/2016</a:t>
+              <a:t>7/20/2016</a:t>
             </a:fld>
             <a:endParaRPr lang="en-US"/>
           </a:p>
@@ -22632,7 +22633,7 @@
           <a:p>
             <a:fld id="{8CE6D6B0-DA1D-4786-BDDE-CF7A7F5122E8}" type="datetimeFigureOut">
               <a:rPr lang="en-US" smtClean="0"/>
-              <a:t>7/18/2016</a:t>
+              <a:t>7/20/2016</a:t>
             </a:fld>
             <a:endParaRPr lang="en-US"/>
           </a:p>
@@ -23164,6 +23165,114 @@
           <a:bodyPr/>
           <a:lstStyle/>
           <a:p>
+            <a:endParaRPr lang="en-US"/>
+          </a:p>
+        </p:txBody>
+      </p:sp>
+      <p:pic>
+        <p:nvPicPr>
+          <p:cNvPr id="4" name="Content Placeholder 3"/>
+          <p:cNvPicPr>
+            <a:picLocks noGrp="1" noChangeAspect="1"/>
+          </p:cNvPicPr>
+          <p:nvPr>
+            <p:ph sz="quarter" idx="13"/>
+          </p:nvPr>
+        </p:nvPicPr>
+        <p:blipFill>
+          <a:blip r:embed="rId2">
+            <a:extLst>
+              <a:ext uri="{28A0092B-C50C-407E-A947-70E740481C1C}">
+                <a14:useLocalDpi xmlns:a14="http://schemas.microsoft.com/office/drawing/2010/main" val="0"/>
+              </a:ext>
+            </a:extLst>
+          </a:blip>
+          <a:stretch>
+            <a:fillRect/>
+          </a:stretch>
+        </p:blipFill>
+        <p:spPr>
+          <a:xfrm>
+            <a:off x="451116" y="1397186"/>
+            <a:ext cx="4745534" cy="4937125"/>
+          </a:xfrm>
+        </p:spPr>
+      </p:pic>
+      <p:pic>
+        <p:nvPicPr>
+          <p:cNvPr id="5" name="Picture 4"/>
+          <p:cNvPicPr>
+            <a:picLocks noChangeAspect="1"/>
+          </p:cNvPicPr>
+          <p:nvPr/>
+        </p:nvPicPr>
+        <p:blipFill>
+          <a:blip r:embed="rId3">
+            <a:extLst>
+              <a:ext uri="{28A0092B-C50C-407E-A947-70E740481C1C}">
+                <a14:useLocalDpi xmlns:a14="http://schemas.microsoft.com/office/drawing/2010/main" val="0"/>
+              </a:ext>
+            </a:extLst>
+          </a:blip>
+          <a:stretch>
+            <a:fillRect/>
+          </a:stretch>
+        </p:blipFill>
+        <p:spPr>
+          <a:xfrm>
+            <a:off x="6618887" y="1344419"/>
+            <a:ext cx="4846972" cy="5042658"/>
+          </a:xfrm>
+          <a:prstGeom prst="rect">
+            <a:avLst/>
+          </a:prstGeom>
+        </p:spPr>
+      </p:pic>
+    </p:spTree>
+    <p:extLst>
+      <p:ext uri="{BB962C8B-B14F-4D97-AF65-F5344CB8AC3E}">
+        <p14:creationId xmlns:p14="http://schemas.microsoft.com/office/powerpoint/2010/main" val="189662910"/>
+      </p:ext>
+    </p:extLst>
+  </p:cSld>
+  <p:clrMapOvr>
+    <a:masterClrMapping/>
+  </p:clrMapOvr>
+</p:sld>
+</file>
+
+<file path=ppt/slides/slide11.xml><?xml version="1.0" encoding="utf-8"?>
+<p:sld xmlns:a="http://schemas.openxmlformats.org/drawingml/2006/main" xmlns:r="http://schemas.openxmlformats.org/officeDocument/2006/relationships" xmlns:p="http://schemas.openxmlformats.org/presentationml/2006/main">
+  <p:cSld>
+    <p:spTree>
+      <p:nvGrpSpPr>
+        <p:cNvPr id="1" name=""/>
+        <p:cNvGrpSpPr/>
+        <p:nvPr/>
+      </p:nvGrpSpPr>
+      <p:grpSpPr>
+        <a:xfrm>
+          <a:off x="0" y="0"/>
+          <a:ext cx="0" cy="0"/>
+          <a:chOff x="0" y="0"/>
+          <a:chExt cx="0" cy="0"/>
+        </a:xfrm>
+      </p:grpSpPr>
+      <p:sp>
+        <p:nvSpPr>
+          <p:cNvPr id="2" name="Title 1"/>
+          <p:cNvSpPr>
+            <a:spLocks noGrp="1"/>
+          </p:cNvSpPr>
+          <p:nvPr>
+            <p:ph type="title"/>
+          </p:nvPr>
+        </p:nvSpPr>
+        <p:spPr/>
+        <p:txBody>
+          <a:bodyPr/>
+          <a:lstStyle/>
+          <a:p>
             <a:r>
               <a:rPr lang="en-US" dirty="0"/>
               <a:t>Which variables are significant?</a:t>
@@ -23381,7 +23490,7 @@
 </p:sld>
 </file>
 
-<file path=ppt/slides/slide11.xml><?xml version="1.0" encoding="utf-8"?>
+<file path=ppt/slides/slide12.xml><?xml version="1.0" encoding="utf-8"?>
 <p:sld xmlns:a="http://schemas.openxmlformats.org/drawingml/2006/main" xmlns:r="http://schemas.openxmlformats.org/officeDocument/2006/relationships" xmlns:p="http://schemas.openxmlformats.org/presentationml/2006/main">
   <p:cSld>
     <p:spTree>
@@ -23522,7 +23631,7 @@
 </p:sld>
 </file>
 
-<file path=ppt/slides/slide12.xml><?xml version="1.0" encoding="utf-8"?>
+<file path=ppt/slides/slide13.xml><?xml version="1.0" encoding="utf-8"?>
 <p:sld xmlns:a="http://schemas.openxmlformats.org/drawingml/2006/main" xmlns:r="http://schemas.openxmlformats.org/officeDocument/2006/relationships" xmlns:p="http://schemas.openxmlformats.org/presentationml/2006/main">
   <p:cSld>
     <p:spTree>
@@ -23633,7 +23742,7 @@
 </p:sld>
 </file>
 
-<file path=ppt/slides/slide13.xml><?xml version="1.0" encoding="utf-8"?>
+<file path=ppt/slides/slide14.xml><?xml version="1.0" encoding="utf-8"?>
 <p:sld xmlns:a="http://schemas.openxmlformats.org/drawingml/2006/main" xmlns:r="http://schemas.openxmlformats.org/officeDocument/2006/relationships" xmlns:p="http://schemas.openxmlformats.org/presentationml/2006/main">
   <p:cSld>
     <p:spTree>
@@ -23744,7 +23853,7 @@
 </p:sld>
 </file>
 
-<file path=ppt/slides/slide14.xml><?xml version="1.0" encoding="utf-8"?>
+<file path=ppt/slides/slide15.xml><?xml version="1.0" encoding="utf-8"?>
 <p:sld xmlns:a="http://schemas.openxmlformats.org/drawingml/2006/main" xmlns:r="http://schemas.openxmlformats.org/officeDocument/2006/relationships" xmlns:p="http://schemas.openxmlformats.org/presentationml/2006/main">
   <p:cSld>
     <p:spTree>
@@ -23848,7 +23957,7 @@
 </p:sld>
 </file>
 
-<file path=ppt/slides/slide15.xml><?xml version="1.0" encoding="utf-8"?>
+<file path=ppt/slides/slide16.xml><?xml version="1.0" encoding="utf-8"?>
 <p:sld xmlns:a="http://schemas.openxmlformats.org/drawingml/2006/main" xmlns:r="http://schemas.openxmlformats.org/officeDocument/2006/relationships" xmlns:p="http://schemas.openxmlformats.org/presentationml/2006/main">
   <p:cSld>
     <p:spTree>
@@ -23947,6 +24056,91 @@
 </file>
 
 <file path=ppt/slides/slide2.xml><?xml version="1.0" encoding="utf-8"?>
+<p:sld xmlns:a="http://schemas.openxmlformats.org/drawingml/2006/main" xmlns:r="http://schemas.openxmlformats.org/officeDocument/2006/relationships" xmlns:p="http://schemas.openxmlformats.org/presentationml/2006/main">
+  <p:cSld>
+    <p:spTree>
+      <p:nvGrpSpPr>
+        <p:cNvPr id="1" name=""/>
+        <p:cNvGrpSpPr/>
+        <p:nvPr/>
+      </p:nvGrpSpPr>
+      <p:grpSpPr>
+        <a:xfrm>
+          <a:off x="0" y="0"/>
+          <a:ext cx="0" cy="0"/>
+          <a:chOff x="0" y="0"/>
+          <a:chExt cx="0" cy="0"/>
+        </a:xfrm>
+      </p:grpSpPr>
+      <p:sp>
+        <p:nvSpPr>
+          <p:cNvPr id="2" name="Title 1"/>
+          <p:cNvSpPr>
+            <a:spLocks noGrp="1"/>
+          </p:cNvSpPr>
+          <p:nvPr>
+            <p:ph type="title"/>
+          </p:nvPr>
+        </p:nvSpPr>
+        <p:spPr/>
+        <p:txBody>
+          <a:bodyPr/>
+          <a:lstStyle/>
+          <a:p>
+            <a:r>
+              <a:rPr lang="en-US" dirty="0" err="1"/>
+              <a:t>Montesinho</a:t>
+            </a:r>
+            <a:r>
+              <a:rPr lang="en-US" dirty="0"/>
+              <a:t> is a natural park in Portugal</a:t>
+            </a:r>
+          </a:p>
+        </p:txBody>
+      </p:sp>
+      <p:pic>
+        <p:nvPicPr>
+          <p:cNvPr id="4" name="Content Placeholder 3"/>
+          <p:cNvPicPr>
+            <a:picLocks noGrp="1" noChangeAspect="1"/>
+          </p:cNvPicPr>
+          <p:nvPr>
+            <p:ph sz="quarter" idx="13"/>
+          </p:nvPr>
+        </p:nvPicPr>
+        <p:blipFill>
+          <a:blip r:embed="rId2">
+            <a:extLst>
+              <a:ext uri="{28A0092B-C50C-407E-A947-70E740481C1C}">
+                <a14:useLocalDpi xmlns:a14="http://schemas.microsoft.com/office/drawing/2010/main" val="0"/>
+              </a:ext>
+            </a:extLst>
+          </a:blip>
+          <a:stretch>
+            <a:fillRect/>
+          </a:stretch>
+        </p:blipFill>
+        <p:spPr>
+          <a:xfrm>
+            <a:off x="2980765" y="1430711"/>
+            <a:ext cx="6406652" cy="4804989"/>
+          </a:xfrm>
+        </p:spPr>
+      </p:pic>
+    </p:spTree>
+    <p:extLst>
+      <p:ext uri="{BB962C8B-B14F-4D97-AF65-F5344CB8AC3E}">
+        <p14:creationId xmlns:p14="http://schemas.microsoft.com/office/powerpoint/2010/main" val="3002782978"/>
+      </p:ext>
+    </p:extLst>
+  </p:cSld>
+  <p:clrMapOvr>
+    <a:masterClrMapping/>
+  </p:clrMapOvr>
+</p:sld>
+</file>
+
+<file path=ppt/slides/slide3.xml><?xml version="1.0" encoding="utf-8"?>
 <p:sld xmlns:a="http://schemas.openxmlformats.org/drawingml/2006/main" xmlns:r="http://schemas.openxmlformats.org/officeDocument/2006/relationships" xmlns:p="http://schemas.openxmlformats.org/presentationml/2006/main">
   <p:cSld>
     <p:spTree>
@@ -24096,7 +24290,7 @@
 </p:sld>
 </file>
 
-<file path=ppt/slides/slide3.xml><?xml version="1.0" encoding="utf-8"?>
+<file path=ppt/slides/slide4.xml><?xml version="1.0" encoding="utf-8"?>
 <p:sld xmlns:a="http://schemas.openxmlformats.org/drawingml/2006/main" xmlns:r="http://schemas.openxmlformats.org/officeDocument/2006/relationships" xmlns:p="http://schemas.openxmlformats.org/presentationml/2006/main">
   <p:cSld>
     <p:spTree>
@@ -24291,7 +24485,7 @@
 </p:sld>
 </file>
 
-<file path=ppt/slides/slide4.xml><?xml version="1.0" encoding="utf-8"?>
+<file path=ppt/slides/slide5.xml><?xml version="1.0" encoding="utf-8"?>
 <p:sld xmlns:a="http://schemas.openxmlformats.org/drawingml/2006/main" xmlns:r="http://schemas.openxmlformats.org/officeDocument/2006/relationships" xmlns:p="http://schemas.openxmlformats.org/presentationml/2006/main">
   <p:cSld>
     <p:spTree>
@@ -24534,7 +24728,7 @@
 </p:sld>
 </file>
 
-<file path=ppt/slides/slide5.xml><?xml version="1.0" encoding="utf-8"?>
+<file path=ppt/slides/slide6.xml><?xml version="1.0" encoding="utf-8"?>
 <p:sld xmlns:a="http://schemas.openxmlformats.org/drawingml/2006/main" xmlns:r="http://schemas.openxmlformats.org/officeDocument/2006/relationships" xmlns:p="http://schemas.openxmlformats.org/presentationml/2006/main">
   <p:cSld>
     <p:spTree>
@@ -24665,7 +24859,7 @@
 </p:sld>
 </file>
 
-<file path=ppt/slides/slide6.xml><?xml version="1.0" encoding="utf-8"?>
+<file path=ppt/slides/slide7.xml><?xml version="1.0" encoding="utf-8"?>
 <p:sld xmlns:a="http://schemas.openxmlformats.org/drawingml/2006/main" xmlns:r="http://schemas.openxmlformats.org/officeDocument/2006/relationships" xmlns:p="http://schemas.openxmlformats.org/presentationml/2006/main">
   <p:cSld>
     <p:spTree>
@@ -24781,7 +24975,7 @@
 </p:sld>
 </file>
 
-<file path=ppt/slides/slide7.xml><?xml version="1.0" encoding="utf-8"?>
+<file path=ppt/slides/slide8.xml><?xml version="1.0" encoding="utf-8"?>
 <p:sld xmlns:a="http://schemas.openxmlformats.org/drawingml/2006/main" xmlns:r="http://schemas.openxmlformats.org/officeDocument/2006/relationships" xmlns:p="http://schemas.openxmlformats.org/presentationml/2006/main">
   <p:cSld>
     <p:spTree>
@@ -24926,7 +25120,7 @@
 </p:sld>
 </file>
 
-<file path=ppt/slides/slide8.xml><?xml version="1.0" encoding="utf-8"?>
+<file path=ppt/slides/slide9.xml><?xml version="1.0" encoding="utf-8"?>
 <p:sld xmlns:a="http://schemas.openxmlformats.org/drawingml/2006/main" xmlns:r="http://schemas.openxmlformats.org/officeDocument/2006/relationships" xmlns:p="http://schemas.openxmlformats.org/presentationml/2006/main">
   <p:cSld>
     <p:spTree>
@@ -24995,114 +25189,6 @@
     <p:extLst>
       <p:ext uri="{BB962C8B-B14F-4D97-AF65-F5344CB8AC3E}">
         <p14:creationId xmlns:p14="http://schemas.microsoft.com/office/powerpoint/2010/main" val="4111411428"/>
-      </p:ext>
-    </p:extLst>
-  </p:cSld>
-  <p:clrMapOvr>
-    <a:masterClrMapping/>
-  </p:clrMapOvr>
-</p:sld>
-</file>
-
-<file path=ppt/slides/slide9.xml><?xml version="1.0" encoding="utf-8"?>
-<p:sld xmlns:a="http://schemas.openxmlformats.org/drawingml/2006/main" xmlns:r="http://schemas.openxmlformats.org/officeDocument/2006/relationships" xmlns:p="http://schemas.openxmlformats.org/presentationml/2006/main">
-  <p:cSld>
-    <p:spTree>
-      <p:nvGrpSpPr>
-        <p:cNvPr id="1" name=""/>
-        <p:cNvGrpSpPr/>
-        <p:nvPr/>
-      </p:nvGrpSpPr>
-      <p:grpSpPr>
-        <a:xfrm>
-          <a:off x="0" y="0"/>
-          <a:ext cx="0" cy="0"/>
-          <a:chOff x="0" y="0"/>
-          <a:chExt cx="0" cy="0"/>
-        </a:xfrm>
-      </p:grpSpPr>
-      <p:sp>
-        <p:nvSpPr>
-          <p:cNvPr id="2" name="Title 1"/>
-          <p:cNvSpPr>
-            <a:spLocks noGrp="1"/>
-          </p:cNvSpPr>
-          <p:nvPr>
-            <p:ph type="title"/>
-          </p:nvPr>
-        </p:nvSpPr>
-        <p:spPr/>
-        <p:txBody>
-          <a:bodyPr/>
-          <a:lstStyle/>
-          <a:p>
-            <a:endParaRPr lang="en-US"/>
-          </a:p>
-        </p:txBody>
-      </p:sp>
-      <p:pic>
-        <p:nvPicPr>
-          <p:cNvPr id="4" name="Content Placeholder 3"/>
-          <p:cNvPicPr>
-            <a:picLocks noGrp="1" noChangeAspect="1"/>
-          </p:cNvPicPr>
-          <p:nvPr>
-            <p:ph sz="quarter" idx="13"/>
-          </p:nvPr>
-        </p:nvPicPr>
-        <p:blipFill>
-          <a:blip r:embed="rId2">
-            <a:extLst>
-              <a:ext uri="{28A0092B-C50C-407E-A947-70E740481C1C}">
-                <a14:useLocalDpi xmlns:a14="http://schemas.microsoft.com/office/drawing/2010/main" val="0"/>
-              </a:ext>
-            </a:extLst>
-          </a:blip>
-          <a:stretch>
-            <a:fillRect/>
-          </a:stretch>
-        </p:blipFill>
-        <p:spPr>
-          <a:xfrm>
-            <a:off x="451116" y="1397186"/>
-            <a:ext cx="4745534" cy="4937125"/>
-          </a:xfrm>
-        </p:spPr>
-      </p:pic>
-      <p:pic>
-        <p:nvPicPr>
-          <p:cNvPr id="5" name="Picture 4"/>
-          <p:cNvPicPr>
-            <a:picLocks noChangeAspect="1"/>
-          </p:cNvPicPr>
-          <p:nvPr/>
-        </p:nvPicPr>
-        <p:blipFill>
-          <a:blip r:embed="rId3">
-            <a:extLst>
-              <a:ext uri="{28A0092B-C50C-407E-A947-70E740481C1C}">
-                <a14:useLocalDpi xmlns:a14="http://schemas.microsoft.com/office/drawing/2010/main" val="0"/>
-              </a:ext>
-            </a:extLst>
-          </a:blip>
-          <a:stretch>
-            <a:fillRect/>
-          </a:stretch>
-        </p:blipFill>
-        <p:spPr>
-          <a:xfrm>
-            <a:off x="6618887" y="1344419"/>
-            <a:ext cx="4846972" cy="5042658"/>
-          </a:xfrm>
-          <a:prstGeom prst="rect">
-            <a:avLst/>
-          </a:prstGeom>
-        </p:spPr>
-      </p:pic>
-    </p:spTree>
-    <p:extLst>
-      <p:ext uri="{BB962C8B-B14F-4D97-AF65-F5344CB8AC3E}">
-        <p14:creationId xmlns:p14="http://schemas.microsoft.com/office/powerpoint/2010/main" val="189662910"/>
       </p:ext>
     </p:extLst>
   </p:cSld>

--- a/Project1-ExploreVis/Miaozhi_Yu/Analysis Of Forest Fire Predictors In Montesinho Natural.pptx
+++ b/Project1-ExploreVis/Miaozhi_Yu/Analysis Of Forest Fire Predictors In Montesinho Natural.pptx
@@ -7,20 +7,21 @@
   <p:sldIdLst>
     <p:sldId id="261" r:id="rId2"/>
     <p:sldId id="276" r:id="rId3"/>
-    <p:sldId id="262" r:id="rId4"/>
-    <p:sldId id="263" r:id="rId5"/>
-    <p:sldId id="264" r:id="rId6"/>
-    <p:sldId id="265" r:id="rId7"/>
-    <p:sldId id="266" r:id="rId8"/>
-    <p:sldId id="267" r:id="rId9"/>
-    <p:sldId id="268" r:id="rId10"/>
-    <p:sldId id="269" r:id="rId11"/>
-    <p:sldId id="270" r:id="rId12"/>
-    <p:sldId id="271" r:id="rId13"/>
-    <p:sldId id="272" r:id="rId14"/>
-    <p:sldId id="273" r:id="rId15"/>
-    <p:sldId id="274" r:id="rId16"/>
-    <p:sldId id="275" r:id="rId17"/>
+    <p:sldId id="277" r:id="rId4"/>
+    <p:sldId id="262" r:id="rId5"/>
+    <p:sldId id="263" r:id="rId6"/>
+    <p:sldId id="264" r:id="rId7"/>
+    <p:sldId id="265" r:id="rId8"/>
+    <p:sldId id="266" r:id="rId9"/>
+    <p:sldId id="267" r:id="rId10"/>
+    <p:sldId id="268" r:id="rId11"/>
+    <p:sldId id="269" r:id="rId12"/>
+    <p:sldId id="270" r:id="rId13"/>
+    <p:sldId id="271" r:id="rId14"/>
+    <p:sldId id="272" r:id="rId15"/>
+    <p:sldId id="273" r:id="rId16"/>
+    <p:sldId id="274" r:id="rId17"/>
+    <p:sldId id="275" r:id="rId18"/>
   </p:sldIdLst>
   <p:sldSz cx="12192000" cy="6858000"/>
   <p:notesSz cx="6858000" cy="9144000"/>
@@ -23165,6 +23166,84 @@
           <a:bodyPr/>
           <a:lstStyle/>
           <a:p>
+            <a:endParaRPr lang="en-US" dirty="0"/>
+          </a:p>
+        </p:txBody>
+      </p:sp>
+      <p:pic>
+        <p:nvPicPr>
+          <p:cNvPr id="4" name="Content Placeholder 3"/>
+          <p:cNvPicPr>
+            <a:picLocks noGrp="1" noChangeAspect="1"/>
+          </p:cNvPicPr>
+          <p:nvPr>
+            <p:ph sz="quarter" idx="13"/>
+          </p:nvPr>
+        </p:nvPicPr>
+        <p:blipFill>
+          <a:blip r:embed="rId2">
+            <a:extLst>
+              <a:ext uri="{28A0092B-C50C-407E-A947-70E740481C1C}">
+                <a14:useLocalDpi xmlns:a14="http://schemas.microsoft.com/office/drawing/2010/main" val="0"/>
+              </a:ext>
+            </a:extLst>
+          </a:blip>
+          <a:stretch>
+            <a:fillRect/>
+          </a:stretch>
+        </p:blipFill>
+        <p:spPr>
+          <a:xfrm>
+            <a:off x="2885032" y="1365810"/>
+            <a:ext cx="4745534" cy="4937125"/>
+          </a:xfrm>
+        </p:spPr>
+      </p:pic>
+    </p:spTree>
+    <p:extLst>
+      <p:ext uri="{BB962C8B-B14F-4D97-AF65-F5344CB8AC3E}">
+        <p14:creationId xmlns:p14="http://schemas.microsoft.com/office/powerpoint/2010/main" val="4111411428"/>
+      </p:ext>
+    </p:extLst>
+  </p:cSld>
+  <p:clrMapOvr>
+    <a:masterClrMapping/>
+  </p:clrMapOvr>
+</p:sld>
+</file>
+
+<file path=ppt/slides/slide11.xml><?xml version="1.0" encoding="utf-8"?>
+<p:sld xmlns:a="http://schemas.openxmlformats.org/drawingml/2006/main" xmlns:r="http://schemas.openxmlformats.org/officeDocument/2006/relationships" xmlns:p="http://schemas.openxmlformats.org/presentationml/2006/main">
+  <p:cSld>
+    <p:spTree>
+      <p:nvGrpSpPr>
+        <p:cNvPr id="1" name=""/>
+        <p:cNvGrpSpPr/>
+        <p:nvPr/>
+      </p:nvGrpSpPr>
+      <p:grpSpPr>
+        <a:xfrm>
+          <a:off x="0" y="0"/>
+          <a:ext cx="0" cy="0"/>
+          <a:chOff x="0" y="0"/>
+          <a:chExt cx="0" cy="0"/>
+        </a:xfrm>
+      </p:grpSpPr>
+      <p:sp>
+        <p:nvSpPr>
+          <p:cNvPr id="2" name="Title 1"/>
+          <p:cNvSpPr>
+            <a:spLocks noGrp="1"/>
+          </p:cNvSpPr>
+          <p:nvPr>
+            <p:ph type="title"/>
+          </p:nvPr>
+        </p:nvSpPr>
+        <p:spPr/>
+        <p:txBody>
+          <a:bodyPr/>
+          <a:lstStyle/>
+          <a:p>
             <a:endParaRPr lang="en-US"/>
           </a:p>
         </p:txBody>
@@ -23241,7 +23320,7 @@
 </p:sld>
 </file>
 
-<file path=ppt/slides/slide11.xml><?xml version="1.0" encoding="utf-8"?>
+<file path=ppt/slides/slide12.xml><?xml version="1.0" encoding="utf-8"?>
 <p:sld xmlns:a="http://schemas.openxmlformats.org/drawingml/2006/main" xmlns:r="http://schemas.openxmlformats.org/officeDocument/2006/relationships" xmlns:p="http://schemas.openxmlformats.org/presentationml/2006/main">
   <p:cSld>
     <p:spTree>
@@ -23490,7 +23569,7 @@
 </p:sld>
 </file>
 
-<file path=ppt/slides/slide12.xml><?xml version="1.0" encoding="utf-8"?>
+<file path=ppt/slides/slide13.xml><?xml version="1.0" encoding="utf-8"?>
 <p:sld xmlns:a="http://schemas.openxmlformats.org/drawingml/2006/main" xmlns:r="http://schemas.openxmlformats.org/officeDocument/2006/relationships" xmlns:p="http://schemas.openxmlformats.org/presentationml/2006/main">
   <p:cSld>
     <p:spTree>
@@ -23631,7 +23710,7 @@
 </p:sld>
 </file>
 
-<file path=ppt/slides/slide13.xml><?xml version="1.0" encoding="utf-8"?>
+<file path=ppt/slides/slide14.xml><?xml version="1.0" encoding="utf-8"?>
 <p:sld xmlns:a="http://schemas.openxmlformats.org/drawingml/2006/main" xmlns:r="http://schemas.openxmlformats.org/officeDocument/2006/relationships" xmlns:p="http://schemas.openxmlformats.org/presentationml/2006/main">
   <p:cSld>
     <p:spTree>
@@ -23742,7 +23821,7 @@
 </p:sld>
 </file>
 
-<file path=ppt/slides/slide14.xml><?xml version="1.0" encoding="utf-8"?>
+<file path=ppt/slides/slide15.xml><?xml version="1.0" encoding="utf-8"?>
 <p:sld xmlns:a="http://schemas.openxmlformats.org/drawingml/2006/main" xmlns:r="http://schemas.openxmlformats.org/officeDocument/2006/relationships" xmlns:p="http://schemas.openxmlformats.org/presentationml/2006/main">
   <p:cSld>
     <p:spTree>
@@ -23853,7 +23932,7 @@
 </p:sld>
 </file>
 
-<file path=ppt/slides/slide15.xml><?xml version="1.0" encoding="utf-8"?>
+<file path=ppt/slides/slide16.xml><?xml version="1.0" encoding="utf-8"?>
 <p:sld xmlns:a="http://schemas.openxmlformats.org/drawingml/2006/main" xmlns:r="http://schemas.openxmlformats.org/officeDocument/2006/relationships" xmlns:p="http://schemas.openxmlformats.org/presentationml/2006/main">
   <p:cSld>
     <p:spTree>
@@ -23957,7 +24036,7 @@
 </p:sld>
 </file>
 
-<file path=ppt/slides/slide16.xml><?xml version="1.0" encoding="utf-8"?>
+<file path=ppt/slides/slide17.xml><?xml version="1.0" encoding="utf-8"?>
 <p:sld xmlns:a="http://schemas.openxmlformats.org/drawingml/2006/main" xmlns:r="http://schemas.openxmlformats.org/officeDocument/2006/relationships" xmlns:p="http://schemas.openxmlformats.org/presentationml/2006/main">
   <p:cSld>
     <p:spTree>
@@ -24167,6 +24246,166 @@
             <p:ph type="title"/>
           </p:nvPr>
         </p:nvSpPr>
+        <p:spPr/>
+        <p:txBody>
+          <a:bodyPr/>
+          <a:lstStyle/>
+          <a:p>
+            <a:r>
+              <a:rPr lang="en-US" dirty="0"/>
+              <a:t>Home to many different kinds of animals</a:t>
+            </a:r>
+          </a:p>
+        </p:txBody>
+      </p:sp>
+      <p:pic>
+        <p:nvPicPr>
+          <p:cNvPr id="4" name="Content Placeholder 3"/>
+          <p:cNvPicPr>
+            <a:picLocks noGrp="1" noChangeAspect="1"/>
+          </p:cNvPicPr>
+          <p:nvPr>
+            <p:ph sz="quarter" idx="13"/>
+          </p:nvPr>
+        </p:nvPicPr>
+        <p:blipFill>
+          <a:blip r:embed="rId2"/>
+          <a:stretch>
+            <a:fillRect/>
+          </a:stretch>
+        </p:blipFill>
+        <p:spPr>
+          <a:xfrm>
+            <a:off x="440689" y="1470212"/>
+            <a:ext cx="4206951" cy="2163575"/>
+          </a:xfrm>
+          <a:prstGeom prst="rect">
+            <a:avLst/>
+          </a:prstGeom>
+        </p:spPr>
+      </p:pic>
+      <p:pic>
+        <p:nvPicPr>
+          <p:cNvPr id="1026" name="Picture 2" descr="Canis lupus Lobo"/>
+          <p:cNvPicPr>
+            <a:picLocks noChangeAspect="1" noChangeArrowheads="1"/>
+          </p:cNvPicPr>
+          <p:nvPr/>
+        </p:nvPicPr>
+        <p:blipFill>
+          <a:blip r:embed="rId3">
+            <a:extLst>
+              <a:ext uri="{28A0092B-C50C-407E-A947-70E740481C1C}">
+                <a14:useLocalDpi xmlns:a14="http://schemas.microsoft.com/office/drawing/2010/main" val="0"/>
+              </a:ext>
+            </a:extLst>
+          </a:blip>
+          <a:srcRect/>
+          <a:stretch>
+            <a:fillRect/>
+          </a:stretch>
+        </p:blipFill>
+        <p:spPr bwMode="auto">
+          <a:xfrm>
+            <a:off x="4758952" y="2848722"/>
+            <a:ext cx="3333750" cy="1714500"/>
+          </a:xfrm>
+          <a:prstGeom prst="rect">
+            <a:avLst/>
+          </a:prstGeom>
+          <a:noFill/>
+          <a:extLst>
+            <a:ext uri="{909E8E84-426E-40DD-AFC4-6F175D3DCCD1}">
+              <a14:hiddenFill xmlns:a14="http://schemas.microsoft.com/office/drawing/2010/main">
+                <a:solidFill>
+                  <a:srgbClr val="FFFFFF"/>
+                </a:solidFill>
+              </a14:hiddenFill>
+            </a:ext>
+          </a:extLst>
+        </p:spPr>
+      </p:pic>
+      <p:pic>
+        <p:nvPicPr>
+          <p:cNvPr id="1028" name="Picture 4" descr="Fauna"/>
+          <p:cNvPicPr>
+            <a:picLocks noChangeAspect="1" noChangeArrowheads="1"/>
+          </p:cNvPicPr>
+          <p:nvPr/>
+        </p:nvPicPr>
+        <p:blipFill>
+          <a:blip r:embed="rId4">
+            <a:extLst>
+              <a:ext uri="{28A0092B-C50C-407E-A947-70E740481C1C}">
+                <a14:useLocalDpi xmlns:a14="http://schemas.microsoft.com/office/drawing/2010/main" val="0"/>
+              </a:ext>
+            </a:extLst>
+          </a:blip>
+          <a:srcRect/>
+          <a:stretch>
+            <a:fillRect/>
+          </a:stretch>
+        </p:blipFill>
+        <p:spPr bwMode="auto">
+          <a:xfrm>
+            <a:off x="8135831" y="3984813"/>
+            <a:ext cx="3426047" cy="1873622"/>
+          </a:xfrm>
+          <a:prstGeom prst="rect">
+            <a:avLst/>
+          </a:prstGeom>
+          <a:noFill/>
+          <a:extLst>
+            <a:ext uri="{909E8E84-426E-40DD-AFC4-6F175D3DCCD1}">
+              <a14:hiddenFill xmlns:a14="http://schemas.microsoft.com/office/drawing/2010/main">
+                <a:solidFill>
+                  <a:srgbClr val="FFFFFF"/>
+                </a:solidFill>
+              </a14:hiddenFill>
+            </a:ext>
+          </a:extLst>
+        </p:spPr>
+      </p:pic>
+    </p:spTree>
+    <p:extLst>
+      <p:ext uri="{BB962C8B-B14F-4D97-AF65-F5344CB8AC3E}">
+        <p14:creationId xmlns:p14="http://schemas.microsoft.com/office/powerpoint/2010/main" val="1585490995"/>
+      </p:ext>
+    </p:extLst>
+  </p:cSld>
+  <p:clrMapOvr>
+    <a:masterClrMapping/>
+  </p:clrMapOvr>
+</p:sld>
+</file>
+
+<file path=ppt/slides/slide4.xml><?xml version="1.0" encoding="utf-8"?>
+<p:sld xmlns:a="http://schemas.openxmlformats.org/drawingml/2006/main" xmlns:r="http://schemas.openxmlformats.org/officeDocument/2006/relationships" xmlns:p="http://schemas.openxmlformats.org/presentationml/2006/main">
+  <p:cSld>
+    <p:spTree>
+      <p:nvGrpSpPr>
+        <p:cNvPr id="1" name=""/>
+        <p:cNvGrpSpPr/>
+        <p:nvPr/>
+      </p:nvGrpSpPr>
+      <p:grpSpPr>
+        <a:xfrm>
+          <a:off x="0" y="0"/>
+          <a:ext cx="0" cy="0"/>
+          <a:chOff x="0" y="0"/>
+          <a:chExt cx="0" cy="0"/>
+        </a:xfrm>
+      </p:grpSpPr>
+      <p:sp>
+        <p:nvSpPr>
+          <p:cNvPr id="2" name="Title 1"/>
+          <p:cNvSpPr>
+            <a:spLocks noGrp="1"/>
+          </p:cNvSpPr>
+          <p:nvPr>
+            <p:ph type="title"/>
+          </p:nvPr>
+        </p:nvSpPr>
         <p:spPr>
           <a:xfrm>
             <a:off x="401217" y="365125"/>
@@ -24290,7 +24529,7 @@
 </p:sld>
 </file>
 
-<file path=ppt/slides/slide4.xml><?xml version="1.0" encoding="utf-8"?>
+<file path=ppt/slides/slide5.xml><?xml version="1.0" encoding="utf-8"?>
 <p:sld xmlns:a="http://schemas.openxmlformats.org/drawingml/2006/main" xmlns:r="http://schemas.openxmlformats.org/officeDocument/2006/relationships" xmlns:p="http://schemas.openxmlformats.org/presentationml/2006/main">
   <p:cSld>
     <p:spTree>
@@ -24485,7 +24724,7 @@
 </p:sld>
 </file>
 
-<file path=ppt/slides/slide5.xml><?xml version="1.0" encoding="utf-8"?>
+<file path=ppt/slides/slide6.xml><?xml version="1.0" encoding="utf-8"?>
 <p:sld xmlns:a="http://schemas.openxmlformats.org/drawingml/2006/main" xmlns:r="http://schemas.openxmlformats.org/officeDocument/2006/relationships" xmlns:p="http://schemas.openxmlformats.org/presentationml/2006/main">
   <p:cSld>
     <p:spTree>
@@ -24728,7 +24967,7 @@
 </p:sld>
 </file>
 
-<file path=ppt/slides/slide6.xml><?xml version="1.0" encoding="utf-8"?>
+<file path=ppt/slides/slide7.xml><?xml version="1.0" encoding="utf-8"?>
 <p:sld xmlns:a="http://schemas.openxmlformats.org/drawingml/2006/main" xmlns:r="http://schemas.openxmlformats.org/officeDocument/2006/relationships" xmlns:p="http://schemas.openxmlformats.org/presentationml/2006/main">
   <p:cSld>
     <p:spTree>
@@ -24859,7 +25098,7 @@
 </p:sld>
 </file>
 
-<file path=ppt/slides/slide7.xml><?xml version="1.0" encoding="utf-8"?>
+<file path=ppt/slides/slide8.xml><?xml version="1.0" encoding="utf-8"?>
 <p:sld xmlns:a="http://schemas.openxmlformats.org/drawingml/2006/main" xmlns:r="http://schemas.openxmlformats.org/officeDocument/2006/relationships" xmlns:p="http://schemas.openxmlformats.org/presentationml/2006/main">
   <p:cSld>
     <p:spTree>
@@ -24975,7 +25214,7 @@
 </p:sld>
 </file>
 
-<file path=ppt/slides/slide8.xml><?xml version="1.0" encoding="utf-8"?>
+<file path=ppt/slides/slide9.xml><?xml version="1.0" encoding="utf-8"?>
 <p:sld xmlns:a="http://schemas.openxmlformats.org/drawingml/2006/main" xmlns:r="http://schemas.openxmlformats.org/officeDocument/2006/relationships" xmlns:p="http://schemas.openxmlformats.org/presentationml/2006/main">
   <p:cSld>
     <p:spTree>
@@ -25111,84 +25350,6 @@
     <p:extLst>
       <p:ext uri="{BB962C8B-B14F-4D97-AF65-F5344CB8AC3E}">
         <p14:creationId xmlns:p14="http://schemas.microsoft.com/office/powerpoint/2010/main" val="738144821"/>
-      </p:ext>
-    </p:extLst>
-  </p:cSld>
-  <p:clrMapOvr>
-    <a:masterClrMapping/>
-  </p:clrMapOvr>
-</p:sld>
-</file>
-
-<file path=ppt/slides/slide9.xml><?xml version="1.0" encoding="utf-8"?>
-<p:sld xmlns:a="http://schemas.openxmlformats.org/drawingml/2006/main" xmlns:r="http://schemas.openxmlformats.org/officeDocument/2006/relationships" xmlns:p="http://schemas.openxmlformats.org/presentationml/2006/main">
-  <p:cSld>
-    <p:spTree>
-      <p:nvGrpSpPr>
-        <p:cNvPr id="1" name=""/>
-        <p:cNvGrpSpPr/>
-        <p:nvPr/>
-      </p:nvGrpSpPr>
-      <p:grpSpPr>
-        <a:xfrm>
-          <a:off x="0" y="0"/>
-          <a:ext cx="0" cy="0"/>
-          <a:chOff x="0" y="0"/>
-          <a:chExt cx="0" cy="0"/>
-        </a:xfrm>
-      </p:grpSpPr>
-      <p:sp>
-        <p:nvSpPr>
-          <p:cNvPr id="2" name="Title 1"/>
-          <p:cNvSpPr>
-            <a:spLocks noGrp="1"/>
-          </p:cNvSpPr>
-          <p:nvPr>
-            <p:ph type="title"/>
-          </p:nvPr>
-        </p:nvSpPr>
-        <p:spPr/>
-        <p:txBody>
-          <a:bodyPr/>
-          <a:lstStyle/>
-          <a:p>
-            <a:endParaRPr lang="en-US" dirty="0"/>
-          </a:p>
-        </p:txBody>
-      </p:sp>
-      <p:pic>
-        <p:nvPicPr>
-          <p:cNvPr id="4" name="Content Placeholder 3"/>
-          <p:cNvPicPr>
-            <a:picLocks noGrp="1" noChangeAspect="1"/>
-          </p:cNvPicPr>
-          <p:nvPr>
-            <p:ph sz="quarter" idx="13"/>
-          </p:nvPr>
-        </p:nvPicPr>
-        <p:blipFill>
-          <a:blip r:embed="rId2">
-            <a:extLst>
-              <a:ext uri="{28A0092B-C50C-407E-A947-70E740481C1C}">
-                <a14:useLocalDpi xmlns:a14="http://schemas.microsoft.com/office/drawing/2010/main" val="0"/>
-              </a:ext>
-            </a:extLst>
-          </a:blip>
-          <a:stretch>
-            <a:fillRect/>
-          </a:stretch>
-        </p:blipFill>
-        <p:spPr>
-          <a:xfrm>
-            <a:off x="2885032" y="1365810"/>
-            <a:ext cx="4745534" cy="4937125"/>
-          </a:xfrm>
-        </p:spPr>
-      </p:pic>
-    </p:spTree>
-    <p:extLst>
-      <p:ext uri="{BB962C8B-B14F-4D97-AF65-F5344CB8AC3E}">
-        <p14:creationId xmlns:p14="http://schemas.microsoft.com/office/powerpoint/2010/main" val="4111411428"/>
       </p:ext>
     </p:extLst>
   </p:cSld>
